--- a/Oculytica Logo.pptx
+++ b/Oculytica Logo.pptx
@@ -154,10 +154,9 @@
           </a:lstStyle>
           <a:p>
             <a:r>
-              <a:rPr lang="en-US" smtClean="0"/>
+              <a:rPr lang="en-US"/>
               <a:t>Click to edit Master title style</a:t>
             </a:r>
-            <a:endParaRPr lang="en-US"/>
           </a:p>
         </p:txBody>
       </p:sp>
@@ -219,10 +218,9 @@
           </a:lstStyle>
           <a:p>
             <a:r>
-              <a:rPr lang="en-US" smtClean="0"/>
+              <a:rPr lang="en-US"/>
               <a:t>Click to edit Master subtitle style</a:t>
             </a:r>
-            <a:endParaRPr lang="en-US"/>
           </a:p>
         </p:txBody>
       </p:sp>
@@ -243,7 +241,7 @@
           <a:p>
             <a:fld id="{3550412D-A083-4654-B6B0-A3AF47A75FF3}" type="datetimeFigureOut">
               <a:rPr lang="en-US" smtClean="0"/>
-              <a:t>10/23/2019</a:t>
+              <a:t>10/23/19</a:t>
             </a:fld>
             <a:endParaRPr lang="en-US"/>
           </a:p>
@@ -337,10 +335,9 @@
           <a:lstStyle/>
           <a:p>
             <a:r>
-              <a:rPr lang="en-US" smtClean="0"/>
+              <a:rPr lang="en-US"/>
               <a:t>Click to edit Master title style</a:t>
             </a:r>
-            <a:endParaRPr lang="en-US"/>
           </a:p>
         </p:txBody>
       </p:sp>
@@ -361,38 +358,37 @@
           <a:p>
             <a:pPr lvl="0"/>
             <a:r>
-              <a:rPr lang="en-US" smtClean="0"/>
+              <a:rPr lang="en-US"/>
               <a:t>Click to edit Master text styles</a:t>
             </a:r>
           </a:p>
           <a:p>
             <a:pPr lvl="1"/>
             <a:r>
-              <a:rPr lang="en-US" smtClean="0"/>
+              <a:rPr lang="en-US"/>
               <a:t>Second level</a:t>
             </a:r>
           </a:p>
           <a:p>
             <a:pPr lvl="2"/>
             <a:r>
-              <a:rPr lang="en-US" smtClean="0"/>
+              <a:rPr lang="en-US"/>
               <a:t>Third level</a:t>
             </a:r>
           </a:p>
           <a:p>
             <a:pPr lvl="3"/>
             <a:r>
-              <a:rPr lang="en-US" smtClean="0"/>
+              <a:rPr lang="en-US"/>
               <a:t>Fourth level</a:t>
             </a:r>
           </a:p>
           <a:p>
             <a:pPr lvl="4"/>
             <a:r>
-              <a:rPr lang="en-US" smtClean="0"/>
+              <a:rPr lang="en-US"/>
               <a:t>Fifth level</a:t>
             </a:r>
-            <a:endParaRPr lang="en-US"/>
           </a:p>
         </p:txBody>
       </p:sp>
@@ -413,7 +409,7 @@
           <a:p>
             <a:fld id="{3550412D-A083-4654-B6B0-A3AF47A75FF3}" type="datetimeFigureOut">
               <a:rPr lang="en-US" smtClean="0"/>
-              <a:t>10/23/2019</a:t>
+              <a:t>10/23/19</a:t>
             </a:fld>
             <a:endParaRPr lang="en-US"/>
           </a:p>
@@ -512,10 +508,9 @@
           <a:lstStyle/>
           <a:p>
             <a:r>
-              <a:rPr lang="en-US" smtClean="0"/>
+              <a:rPr lang="en-US"/>
               <a:t>Click to edit Master title style</a:t>
             </a:r>
-            <a:endParaRPr lang="en-US"/>
           </a:p>
         </p:txBody>
       </p:sp>
@@ -541,38 +536,37 @@
           <a:p>
             <a:pPr lvl="0"/>
             <a:r>
-              <a:rPr lang="en-US" smtClean="0"/>
+              <a:rPr lang="en-US"/>
               <a:t>Click to edit Master text styles</a:t>
             </a:r>
           </a:p>
           <a:p>
             <a:pPr lvl="1"/>
             <a:r>
-              <a:rPr lang="en-US" smtClean="0"/>
+              <a:rPr lang="en-US"/>
               <a:t>Second level</a:t>
             </a:r>
           </a:p>
           <a:p>
             <a:pPr lvl="2"/>
             <a:r>
-              <a:rPr lang="en-US" smtClean="0"/>
+              <a:rPr lang="en-US"/>
               <a:t>Third level</a:t>
             </a:r>
           </a:p>
           <a:p>
             <a:pPr lvl="3"/>
             <a:r>
-              <a:rPr lang="en-US" smtClean="0"/>
+              <a:rPr lang="en-US"/>
               <a:t>Fourth level</a:t>
             </a:r>
           </a:p>
           <a:p>
             <a:pPr lvl="4"/>
             <a:r>
-              <a:rPr lang="en-US" smtClean="0"/>
+              <a:rPr lang="en-US"/>
               <a:t>Fifth level</a:t>
             </a:r>
-            <a:endParaRPr lang="en-US"/>
           </a:p>
         </p:txBody>
       </p:sp>
@@ -593,7 +587,7 @@
           <a:p>
             <a:fld id="{3550412D-A083-4654-B6B0-A3AF47A75FF3}" type="datetimeFigureOut">
               <a:rPr lang="en-US" smtClean="0"/>
-              <a:t>10/23/2019</a:t>
+              <a:t>10/23/19</a:t>
             </a:fld>
             <a:endParaRPr lang="en-US"/>
           </a:p>
@@ -687,10 +681,9 @@
           <a:lstStyle/>
           <a:p>
             <a:r>
-              <a:rPr lang="en-US" smtClean="0"/>
+              <a:rPr lang="en-US"/>
               <a:t>Click to edit Master title style</a:t>
             </a:r>
-            <a:endParaRPr lang="en-US"/>
           </a:p>
         </p:txBody>
       </p:sp>
@@ -711,38 +704,37 @@
           <a:p>
             <a:pPr lvl="0"/>
             <a:r>
-              <a:rPr lang="en-US" smtClean="0"/>
+              <a:rPr lang="en-US"/>
               <a:t>Click to edit Master text styles</a:t>
             </a:r>
           </a:p>
           <a:p>
             <a:pPr lvl="1"/>
             <a:r>
-              <a:rPr lang="en-US" smtClean="0"/>
+              <a:rPr lang="en-US"/>
               <a:t>Second level</a:t>
             </a:r>
           </a:p>
           <a:p>
             <a:pPr lvl="2"/>
             <a:r>
-              <a:rPr lang="en-US" smtClean="0"/>
+              <a:rPr lang="en-US"/>
               <a:t>Third level</a:t>
             </a:r>
           </a:p>
           <a:p>
             <a:pPr lvl="3"/>
             <a:r>
-              <a:rPr lang="en-US" smtClean="0"/>
+              <a:rPr lang="en-US"/>
               <a:t>Fourth level</a:t>
             </a:r>
           </a:p>
           <a:p>
             <a:pPr lvl="4"/>
             <a:r>
-              <a:rPr lang="en-US" smtClean="0"/>
+              <a:rPr lang="en-US"/>
               <a:t>Fifth level</a:t>
             </a:r>
-            <a:endParaRPr lang="en-US"/>
           </a:p>
         </p:txBody>
       </p:sp>
@@ -763,7 +755,7 @@
           <a:p>
             <a:fld id="{3550412D-A083-4654-B6B0-A3AF47A75FF3}" type="datetimeFigureOut">
               <a:rPr lang="en-US" smtClean="0"/>
-              <a:t>10/23/2019</a:t>
+              <a:t>10/23/19</a:t>
             </a:fld>
             <a:endParaRPr lang="en-US"/>
           </a:p>
@@ -866,10 +858,9 @@
           </a:lstStyle>
           <a:p>
             <a:r>
-              <a:rPr lang="en-US" smtClean="0"/>
+              <a:rPr lang="en-US"/>
               <a:t>Click to edit Master title style</a:t>
             </a:r>
-            <a:endParaRPr lang="en-US"/>
           </a:p>
         </p:txBody>
       </p:sp>
@@ -986,7 +977,7 @@
           <a:p>
             <a:pPr lvl="0"/>
             <a:r>
-              <a:rPr lang="en-US" smtClean="0"/>
+              <a:rPr lang="en-US"/>
               <a:t>Click to edit Master text styles</a:t>
             </a:r>
           </a:p>
@@ -1009,7 +1000,7 @@
           <a:p>
             <a:fld id="{3550412D-A083-4654-B6B0-A3AF47A75FF3}" type="datetimeFigureOut">
               <a:rPr lang="en-US" smtClean="0"/>
-              <a:t>10/23/2019</a:t>
+              <a:t>10/23/19</a:t>
             </a:fld>
             <a:endParaRPr lang="en-US"/>
           </a:p>
@@ -1103,10 +1094,9 @@
           <a:lstStyle/>
           <a:p>
             <a:r>
-              <a:rPr lang="en-US" smtClean="0"/>
+              <a:rPr lang="en-US"/>
               <a:t>Click to edit Master title style</a:t>
             </a:r>
-            <a:endParaRPr lang="en-US"/>
           </a:p>
         </p:txBody>
       </p:sp>
@@ -1132,38 +1122,37 @@
           <a:p>
             <a:pPr lvl="0"/>
             <a:r>
-              <a:rPr lang="en-US" smtClean="0"/>
+              <a:rPr lang="en-US"/>
               <a:t>Click to edit Master text styles</a:t>
             </a:r>
           </a:p>
           <a:p>
             <a:pPr lvl="1"/>
             <a:r>
-              <a:rPr lang="en-US" smtClean="0"/>
+              <a:rPr lang="en-US"/>
               <a:t>Second level</a:t>
             </a:r>
           </a:p>
           <a:p>
             <a:pPr lvl="2"/>
             <a:r>
-              <a:rPr lang="en-US" smtClean="0"/>
+              <a:rPr lang="en-US"/>
               <a:t>Third level</a:t>
             </a:r>
           </a:p>
           <a:p>
             <a:pPr lvl="3"/>
             <a:r>
-              <a:rPr lang="en-US" smtClean="0"/>
+              <a:rPr lang="en-US"/>
               <a:t>Fourth level</a:t>
             </a:r>
           </a:p>
           <a:p>
             <a:pPr lvl="4"/>
             <a:r>
-              <a:rPr lang="en-US" smtClean="0"/>
+              <a:rPr lang="en-US"/>
               <a:t>Fifth level</a:t>
             </a:r>
-            <a:endParaRPr lang="en-US"/>
           </a:p>
         </p:txBody>
       </p:sp>
@@ -1189,38 +1178,37 @@
           <a:p>
             <a:pPr lvl="0"/>
             <a:r>
-              <a:rPr lang="en-US" smtClean="0"/>
+              <a:rPr lang="en-US"/>
               <a:t>Click to edit Master text styles</a:t>
             </a:r>
           </a:p>
           <a:p>
             <a:pPr lvl="1"/>
             <a:r>
-              <a:rPr lang="en-US" smtClean="0"/>
+              <a:rPr lang="en-US"/>
               <a:t>Second level</a:t>
             </a:r>
           </a:p>
           <a:p>
             <a:pPr lvl="2"/>
             <a:r>
-              <a:rPr lang="en-US" smtClean="0"/>
+              <a:rPr lang="en-US"/>
               <a:t>Third level</a:t>
             </a:r>
           </a:p>
           <a:p>
             <a:pPr lvl="3"/>
             <a:r>
-              <a:rPr lang="en-US" smtClean="0"/>
+              <a:rPr lang="en-US"/>
               <a:t>Fourth level</a:t>
             </a:r>
           </a:p>
           <a:p>
             <a:pPr lvl="4"/>
             <a:r>
-              <a:rPr lang="en-US" smtClean="0"/>
+              <a:rPr lang="en-US"/>
               <a:t>Fifth level</a:t>
             </a:r>
-            <a:endParaRPr lang="en-US"/>
           </a:p>
         </p:txBody>
       </p:sp>
@@ -1241,7 +1229,7 @@
           <a:p>
             <a:fld id="{3550412D-A083-4654-B6B0-A3AF47A75FF3}" type="datetimeFigureOut">
               <a:rPr lang="en-US" smtClean="0"/>
-              <a:t>10/23/2019</a:t>
+              <a:t>10/23/19</a:t>
             </a:fld>
             <a:endParaRPr lang="en-US"/>
           </a:p>
@@ -1340,10 +1328,9 @@
           <a:lstStyle/>
           <a:p>
             <a:r>
-              <a:rPr lang="en-US" smtClean="0"/>
+              <a:rPr lang="en-US"/>
               <a:t>Click to edit Master title style</a:t>
             </a:r>
-            <a:endParaRPr lang="en-US"/>
           </a:p>
         </p:txBody>
       </p:sp>
@@ -1406,7 +1393,7 @@
           <a:p>
             <a:pPr lvl="0"/>
             <a:r>
-              <a:rPr lang="en-US" smtClean="0"/>
+              <a:rPr lang="en-US"/>
               <a:t>Click to edit Master text styles</a:t>
             </a:r>
           </a:p>
@@ -1434,38 +1421,37 @@
           <a:p>
             <a:pPr lvl="0"/>
             <a:r>
-              <a:rPr lang="en-US" smtClean="0"/>
+              <a:rPr lang="en-US"/>
               <a:t>Click to edit Master text styles</a:t>
             </a:r>
           </a:p>
           <a:p>
             <a:pPr lvl="1"/>
             <a:r>
-              <a:rPr lang="en-US" smtClean="0"/>
+              <a:rPr lang="en-US"/>
               <a:t>Second level</a:t>
             </a:r>
           </a:p>
           <a:p>
             <a:pPr lvl="2"/>
             <a:r>
-              <a:rPr lang="en-US" smtClean="0"/>
+              <a:rPr lang="en-US"/>
               <a:t>Third level</a:t>
             </a:r>
           </a:p>
           <a:p>
             <a:pPr lvl="3"/>
             <a:r>
-              <a:rPr lang="en-US" smtClean="0"/>
+              <a:rPr lang="en-US"/>
               <a:t>Fourth level</a:t>
             </a:r>
           </a:p>
           <a:p>
             <a:pPr lvl="4"/>
             <a:r>
-              <a:rPr lang="en-US" smtClean="0"/>
+              <a:rPr lang="en-US"/>
               <a:t>Fifth level</a:t>
             </a:r>
-            <a:endParaRPr lang="en-US"/>
           </a:p>
         </p:txBody>
       </p:sp>
@@ -1528,7 +1514,7 @@
           <a:p>
             <a:pPr lvl="0"/>
             <a:r>
-              <a:rPr lang="en-US" smtClean="0"/>
+              <a:rPr lang="en-US"/>
               <a:t>Click to edit Master text styles</a:t>
             </a:r>
           </a:p>
@@ -1556,38 +1542,37 @@
           <a:p>
             <a:pPr lvl="0"/>
             <a:r>
-              <a:rPr lang="en-US" smtClean="0"/>
+              <a:rPr lang="en-US"/>
               <a:t>Click to edit Master text styles</a:t>
             </a:r>
           </a:p>
           <a:p>
             <a:pPr lvl="1"/>
             <a:r>
-              <a:rPr lang="en-US" smtClean="0"/>
+              <a:rPr lang="en-US"/>
               <a:t>Second level</a:t>
             </a:r>
           </a:p>
           <a:p>
             <a:pPr lvl="2"/>
             <a:r>
-              <a:rPr lang="en-US" smtClean="0"/>
+              <a:rPr lang="en-US"/>
               <a:t>Third level</a:t>
             </a:r>
           </a:p>
           <a:p>
             <a:pPr lvl="3"/>
             <a:r>
-              <a:rPr lang="en-US" smtClean="0"/>
+              <a:rPr lang="en-US"/>
               <a:t>Fourth level</a:t>
             </a:r>
           </a:p>
           <a:p>
             <a:pPr lvl="4"/>
             <a:r>
-              <a:rPr lang="en-US" smtClean="0"/>
+              <a:rPr lang="en-US"/>
               <a:t>Fifth level</a:t>
             </a:r>
-            <a:endParaRPr lang="en-US"/>
           </a:p>
         </p:txBody>
       </p:sp>
@@ -1608,7 +1593,7 @@
           <a:p>
             <a:fld id="{3550412D-A083-4654-B6B0-A3AF47A75FF3}" type="datetimeFigureOut">
               <a:rPr lang="en-US" smtClean="0"/>
-              <a:t>10/23/2019</a:t>
+              <a:t>10/23/19</a:t>
             </a:fld>
             <a:endParaRPr lang="en-US"/>
           </a:p>
@@ -1702,10 +1687,9 @@
           <a:lstStyle/>
           <a:p>
             <a:r>
-              <a:rPr lang="en-US" smtClean="0"/>
+              <a:rPr lang="en-US"/>
               <a:t>Click to edit Master title style</a:t>
             </a:r>
-            <a:endParaRPr lang="en-US"/>
           </a:p>
         </p:txBody>
       </p:sp>
@@ -1726,7 +1710,7 @@
           <a:p>
             <a:fld id="{3550412D-A083-4654-B6B0-A3AF47A75FF3}" type="datetimeFigureOut">
               <a:rPr lang="en-US" smtClean="0"/>
-              <a:t>10/23/2019</a:t>
+              <a:t>10/23/19</a:t>
             </a:fld>
             <a:endParaRPr lang="en-US"/>
           </a:p>
@@ -1821,7 +1805,7 @@
           <a:p>
             <a:fld id="{3550412D-A083-4654-B6B0-A3AF47A75FF3}" type="datetimeFigureOut">
               <a:rPr lang="en-US" smtClean="0"/>
-              <a:t>10/23/2019</a:t>
+              <a:t>10/23/19</a:t>
             </a:fld>
             <a:endParaRPr lang="en-US"/>
           </a:p>
@@ -1924,10 +1908,9 @@
           </a:lstStyle>
           <a:p>
             <a:r>
-              <a:rPr lang="en-US" smtClean="0"/>
+              <a:rPr lang="en-US"/>
               <a:t>Click to edit Master title style</a:t>
             </a:r>
-            <a:endParaRPr lang="en-US"/>
           </a:p>
         </p:txBody>
       </p:sp>
@@ -1981,38 +1964,37 @@
           <a:p>
             <a:pPr lvl="0"/>
             <a:r>
-              <a:rPr lang="en-US" smtClean="0"/>
+              <a:rPr lang="en-US"/>
               <a:t>Click to edit Master text styles</a:t>
             </a:r>
           </a:p>
           <a:p>
             <a:pPr lvl="1"/>
             <a:r>
-              <a:rPr lang="en-US" smtClean="0"/>
+              <a:rPr lang="en-US"/>
               <a:t>Second level</a:t>
             </a:r>
           </a:p>
           <a:p>
             <a:pPr lvl="2"/>
             <a:r>
-              <a:rPr lang="en-US" smtClean="0"/>
+              <a:rPr lang="en-US"/>
               <a:t>Third level</a:t>
             </a:r>
           </a:p>
           <a:p>
             <a:pPr lvl="3"/>
             <a:r>
-              <a:rPr lang="en-US" smtClean="0"/>
+              <a:rPr lang="en-US"/>
               <a:t>Fourth level</a:t>
             </a:r>
           </a:p>
           <a:p>
             <a:pPr lvl="4"/>
             <a:r>
-              <a:rPr lang="en-US" smtClean="0"/>
+              <a:rPr lang="en-US"/>
               <a:t>Fifth level</a:t>
             </a:r>
-            <a:endParaRPr lang="en-US"/>
           </a:p>
         </p:txBody>
       </p:sp>
@@ -2075,7 +2057,7 @@
           <a:p>
             <a:pPr lvl="0"/>
             <a:r>
-              <a:rPr lang="en-US" smtClean="0"/>
+              <a:rPr lang="en-US"/>
               <a:t>Click to edit Master text styles</a:t>
             </a:r>
           </a:p>
@@ -2098,7 +2080,7 @@
           <a:p>
             <a:fld id="{3550412D-A083-4654-B6B0-A3AF47A75FF3}" type="datetimeFigureOut">
               <a:rPr lang="en-US" smtClean="0"/>
-              <a:t>10/23/2019</a:t>
+              <a:t>10/23/19</a:t>
             </a:fld>
             <a:endParaRPr lang="en-US"/>
           </a:p>
@@ -2201,10 +2183,9 @@
           </a:lstStyle>
           <a:p>
             <a:r>
-              <a:rPr lang="en-US" smtClean="0"/>
+              <a:rPr lang="en-US"/>
               <a:t>Click to edit Master title style</a:t>
             </a:r>
-            <a:endParaRPr lang="en-US"/>
           </a:p>
         </p:txBody>
       </p:sp>
@@ -2328,7 +2309,7 @@
           <a:p>
             <a:pPr lvl="0"/>
             <a:r>
-              <a:rPr lang="en-US" smtClean="0"/>
+              <a:rPr lang="en-US"/>
               <a:t>Click to edit Master text styles</a:t>
             </a:r>
           </a:p>
@@ -2351,7 +2332,7 @@
           <a:p>
             <a:fld id="{3550412D-A083-4654-B6B0-A3AF47A75FF3}" type="datetimeFigureOut">
               <a:rPr lang="en-US" smtClean="0"/>
-              <a:t>10/23/2019</a:t>
+              <a:t>10/23/19</a:t>
             </a:fld>
             <a:endParaRPr lang="en-US"/>
           </a:p>
@@ -2460,10 +2441,9 @@
           <a:lstStyle/>
           <a:p>
             <a:r>
-              <a:rPr lang="en-US" smtClean="0"/>
+              <a:rPr lang="en-US"/>
               <a:t>Click to edit Master title style</a:t>
             </a:r>
-            <a:endParaRPr lang="en-US"/>
           </a:p>
         </p:txBody>
       </p:sp>
@@ -2494,38 +2474,37 @@
           <a:p>
             <a:pPr lvl="0"/>
             <a:r>
-              <a:rPr lang="en-US" smtClean="0"/>
+              <a:rPr lang="en-US"/>
               <a:t>Click to edit Master text styles</a:t>
             </a:r>
           </a:p>
           <a:p>
             <a:pPr lvl="1"/>
             <a:r>
-              <a:rPr lang="en-US" smtClean="0"/>
+              <a:rPr lang="en-US"/>
               <a:t>Second level</a:t>
             </a:r>
           </a:p>
           <a:p>
             <a:pPr lvl="2"/>
             <a:r>
-              <a:rPr lang="en-US" smtClean="0"/>
+              <a:rPr lang="en-US"/>
               <a:t>Third level</a:t>
             </a:r>
           </a:p>
           <a:p>
             <a:pPr lvl="3"/>
             <a:r>
-              <a:rPr lang="en-US" smtClean="0"/>
+              <a:rPr lang="en-US"/>
               <a:t>Fourth level</a:t>
             </a:r>
           </a:p>
           <a:p>
             <a:pPr lvl="4"/>
             <a:r>
-              <a:rPr lang="en-US" smtClean="0"/>
+              <a:rPr lang="en-US"/>
               <a:t>Fifth level</a:t>
             </a:r>
-            <a:endParaRPr lang="en-US"/>
           </a:p>
         </p:txBody>
       </p:sp>
@@ -2564,7 +2543,7 @@
           <a:p>
             <a:fld id="{3550412D-A083-4654-B6B0-A3AF47A75FF3}" type="datetimeFigureOut">
               <a:rPr lang="en-US" smtClean="0"/>
-              <a:t>10/23/2019</a:t>
+              <a:t>10/23/19</a:t>
             </a:fld>
             <a:endParaRPr lang="en-US"/>
           </a:p>
@@ -2977,10 +2956,10 @@
         </p:nvGrpSpPr>
         <p:grpSpPr>
           <a:xfrm>
-            <a:off x="2330518" y="616744"/>
-            <a:ext cx="5242259" cy="1595437"/>
+            <a:off x="2330518" y="669073"/>
+            <a:ext cx="4661297" cy="1538868"/>
             <a:chOff x="153988" y="157163"/>
-            <a:chExt cx="4938713" cy="1595437"/>
+            <a:chExt cx="4418012" cy="1595437"/>
           </a:xfrm>
         </p:grpSpPr>
         <p:sp>
@@ -3161,7 +3140,7 @@
           <p:spPr bwMode="auto">
             <a:xfrm>
               <a:off x="1600201" y="306388"/>
-              <a:ext cx="3492500" cy="1293812"/>
+              <a:ext cx="2971799" cy="1293812"/>
             </a:xfrm>
             <a:prstGeom prst="rect">
               <a:avLst/>
@@ -3225,7 +3204,7 @@
                 <a:tabLst/>
               </a:pPr>
               <a:r>
-                <a:rPr kumimoji="0" lang="en-US" altLang="en-US" sz="7200" b="1" i="0" u="none" strike="noStrike" cap="none" normalizeH="0" baseline="0" dirty="0" smtClean="0">
+                <a:rPr kumimoji="0" lang="en-US" altLang="en-US" sz="7200" b="1" i="0" u="none" strike="noStrike" cap="none" normalizeH="0" baseline="0" dirty="0">
                   <a:ln>
                     <a:noFill/>
                   </a:ln>
@@ -3234,7 +3213,7 @@
                 </a:rPr>
                 <a:t>culytica</a:t>
               </a:r>
-              <a:endParaRPr kumimoji="0" lang="en-US" altLang="en-US" sz="1800" b="1" i="0" u="none" strike="noStrike" cap="none" normalizeH="0" baseline="0" dirty="0" smtClean="0">
+              <a:endParaRPr kumimoji="0" lang="en-US" altLang="en-US" sz="1800" b="1" i="0" u="none" strike="noStrike" cap="none" normalizeH="0" baseline="0" dirty="0">
                 <a:ln>
                   <a:noFill/>
                 </a:ln>
@@ -3245,6 +3224,36 @@
           </p:txBody>
         </p:sp>
       </p:grpSp>
+      <p:pic>
+        <p:nvPicPr>
+          <p:cNvPr id="3" name="Picture 2">
+            <a:extLst>
+              <a:ext uri="{FF2B5EF4-FFF2-40B4-BE49-F238E27FC236}">
+                <a16:creationId xmlns:a16="http://schemas.microsoft.com/office/drawing/2014/main" id="{1268B318-A2E1-2F4B-8D84-92ED4CE6AA5B}"/>
+              </a:ext>
+            </a:extLst>
+          </p:cNvPr>
+          <p:cNvPicPr>
+            <a:picLocks noChangeAspect="1"/>
+          </p:cNvPicPr>
+          <p:nvPr/>
+        </p:nvPicPr>
+        <p:blipFill>
+          <a:blip r:embed="rId3"/>
+          <a:stretch>
+            <a:fillRect/>
+          </a:stretch>
+        </p:blipFill>
+        <p:spPr>
+          <a:xfrm>
+            <a:off x="3138666" y="3466476"/>
+            <a:ext cx="3593635" cy="1183584"/>
+          </a:xfrm>
+          <a:prstGeom prst="rect">
+            <a:avLst/>
+          </a:prstGeom>
+        </p:spPr>
+      </p:pic>
     </p:spTree>
     <p:extLst>
       <p:ext uri="{BB962C8B-B14F-4D97-AF65-F5344CB8AC3E}">
